--- a/2019 Nov - .NET Conf Bulgaria - Blazor Sneak Peek/Presentation.pptx
+++ b/2019 Nov - .NET Conf Bulgaria - Blazor Sneak Peek/Presentation.pptx
@@ -23,9 +23,9 @@
     <p:sldId id="268" r:id="rId14"/>
     <p:sldId id="280" r:id="rId15"/>
     <p:sldId id="269" r:id="rId16"/>
-    <p:sldId id="271" r:id="rId17"/>
-    <p:sldId id="272" r:id="rId18"/>
-    <p:sldId id="273" r:id="rId19"/>
+    <p:sldId id="272" r:id="rId17"/>
+    <p:sldId id="273" r:id="rId18"/>
+    <p:sldId id="271" r:id="rId19"/>
     <p:sldId id="274" r:id="rId20"/>
     <p:sldId id="281" r:id="rId21"/>
   </p:sldIdLst>
@@ -134,126 +134,94 @@
 </p:presentation>
 </file>
 
-<file path=ppt/revisionInfo.xml><?xml version="1.0" encoding="utf-8"?>
-<p1510:revInfo xmlns:a="http://schemas.openxmlformats.org/drawingml/2006/main" xmlns:r="http://schemas.openxmlformats.org/officeDocument/2006/relationships" xmlns:p1510="http://schemas.microsoft.com/office/powerpoint/2015/10/main">
-  <p1510:revLst>
-    <p1510:client id="{47FBAAC2-B916-45AE-9566-ADA5339D4E08}" v="24" dt="2019-11-05T22:10:52.192"/>
-  </p1510:revLst>
-</p1510:revInfo>
-</file>
-
 <file path=ppt/changesInfos/changesInfo1.xml><?xml version="1.0" encoding="utf-8"?>
 <pc:chgInfo xmlns:a="http://schemas.openxmlformats.org/drawingml/2006/main" xmlns:r="http://schemas.openxmlformats.org/officeDocument/2006/relationships" xmlns:ac="http://schemas.microsoft.com/office/drawing/2013/main/command" xmlns:pc="http://schemas.microsoft.com/office/powerpoint/2013/main/command">
   <pc:docChgLst>
-    <pc:chgData name="Nikolay Dermendzhiev" userId="bcba64b7601bcff1" providerId="LiveId" clId="{47FBAAC2-B916-45AE-9566-ADA5339D4E08}"/>
-    <pc:docChg chg="modSld">
-      <pc:chgData name="Nikolay Dermendzhiev" userId="bcba64b7601bcff1" providerId="LiveId" clId="{47FBAAC2-B916-45AE-9566-ADA5339D4E08}" dt="2019-11-05T22:10:52.192" v="23" actId="20577"/>
-      <pc:docMkLst>
-        <pc:docMk/>
-      </pc:docMkLst>
-      <pc:sldChg chg="modSp">
-        <pc:chgData name="Nikolay Dermendzhiev" userId="bcba64b7601bcff1" providerId="LiveId" clId="{47FBAAC2-B916-45AE-9566-ADA5339D4E08}" dt="2019-11-05T22:10:52.192" v="23" actId="20577"/>
-        <pc:sldMkLst>
-          <pc:docMk/>
-          <pc:sldMk cId="2533940214" sldId="272"/>
-        </pc:sldMkLst>
-        <pc:spChg chg="mod">
-          <ac:chgData name="Nikolay Dermendzhiev" userId="bcba64b7601bcff1" providerId="LiveId" clId="{47FBAAC2-B916-45AE-9566-ADA5339D4E08}" dt="2019-11-05T22:10:52.192" v="23" actId="20577"/>
-          <ac:spMkLst>
-            <pc:docMk/>
-            <pc:sldMk cId="2533940214" sldId="272"/>
-            <ac:spMk id="3" creationId="{6D521689-32B5-4071-B39B-290CCB9AFC17}"/>
-          </ac:spMkLst>
-        </pc:spChg>
-      </pc:sldChg>
-    </pc:docChg>
-  </pc:docChgLst>
-  <pc:docChgLst>
     <pc:chgData name="Nikolay Dermendzhiev" userId="bcba64b7601bcff1" providerId="LiveId" clId="{332DD6E6-C5C5-4CE2-BE61-FA3E364D0244}"/>
     <pc:docChg chg="modSld">
-      <pc:chgData name="Nikolay Dermendzhiev" userId="bcba64b7601bcff1" providerId="LiveId" clId="{332DD6E6-C5C5-4CE2-BE61-FA3E364D0244}" dt="2019-11-05T22:12:19.602" v="19" actId="5793"/>
+      <pc:chgData name="Nikolay Dermendzhiev" userId="bcba64b7601bcff1" providerId="LiveId" clId="{332DD6E6-C5C5-4CE2-BE61-FA3E364D0244}" dt="2019-11-06T09:53:26.956" v="27" actId="5793"/>
       <pc:docMkLst>
         <pc:docMk/>
       </pc:docMkLst>
       <pc:sldChg chg="modNotesTx">
-        <pc:chgData name="Nikolay Dermendzhiev" userId="bcba64b7601bcff1" providerId="LiveId" clId="{332DD6E6-C5C5-4CE2-BE61-FA3E364D0244}" dt="2019-11-05T22:11:43.506" v="1" actId="5793"/>
+        <pc:chgData name="Nikolay Dermendzhiev" userId="bcba64b7601bcff1" providerId="LiveId" clId="{332DD6E6-C5C5-4CE2-BE61-FA3E364D0244}" dt="2019-11-06T09:52:38.116" v="1" actId="5793"/>
         <pc:sldMkLst>
           <pc:docMk/>
           <pc:sldMk cId="69137343" sldId="256"/>
         </pc:sldMkLst>
       </pc:sldChg>
       <pc:sldChg chg="modNotesTx">
-        <pc:chgData name="Nikolay Dermendzhiev" userId="bcba64b7601bcff1" providerId="LiveId" clId="{332DD6E6-C5C5-4CE2-BE61-FA3E364D0244}" dt="2019-11-05T22:11:49.318" v="4" actId="20577"/>
+        <pc:chgData name="Nikolay Dermendzhiev" userId="bcba64b7601bcff1" providerId="LiveId" clId="{332DD6E6-C5C5-4CE2-BE61-FA3E364D0244}" dt="2019-11-06T09:52:45.381" v="4" actId="20577"/>
         <pc:sldMkLst>
           <pc:docMk/>
           <pc:sldMk cId="1221543837" sldId="257"/>
         </pc:sldMkLst>
       </pc:sldChg>
       <pc:sldChg chg="modNotesTx">
-        <pc:chgData name="Nikolay Dermendzhiev" userId="bcba64b7601bcff1" providerId="LiveId" clId="{332DD6E6-C5C5-4CE2-BE61-FA3E364D0244}" dt="2019-11-05T22:11:46.772" v="3" actId="5793"/>
+        <pc:chgData name="Nikolay Dermendzhiev" userId="bcba64b7601bcff1" providerId="LiveId" clId="{332DD6E6-C5C5-4CE2-BE61-FA3E364D0244}" dt="2019-11-06T09:52:42.210" v="3" actId="5793"/>
         <pc:sldMkLst>
           <pc:docMk/>
           <pc:sldMk cId="3127168096" sldId="259"/>
         </pc:sldMkLst>
       </pc:sldChg>
       <pc:sldChg chg="modNotesTx">
-        <pc:chgData name="Nikolay Dermendzhiev" userId="bcba64b7601bcff1" providerId="LiveId" clId="{332DD6E6-C5C5-4CE2-BE61-FA3E364D0244}" dt="2019-11-05T22:11:54.537" v="6" actId="5793"/>
+        <pc:chgData name="Nikolay Dermendzhiev" userId="bcba64b7601bcff1" providerId="LiveId" clId="{332DD6E6-C5C5-4CE2-BE61-FA3E364D0244}" dt="2019-11-06T09:52:50.100" v="6" actId="5793"/>
         <pc:sldMkLst>
           <pc:docMk/>
           <pc:sldMk cId="3078043019" sldId="261"/>
         </pc:sldMkLst>
       </pc:sldChg>
       <pc:sldChg chg="modNotesTx">
-        <pc:chgData name="Nikolay Dermendzhiev" userId="bcba64b7601bcff1" providerId="LiveId" clId="{332DD6E6-C5C5-4CE2-BE61-FA3E364D0244}" dt="2019-11-05T22:12:03.771" v="11" actId="5793"/>
+        <pc:chgData name="Nikolay Dermendzhiev" userId="bcba64b7601bcff1" providerId="LiveId" clId="{332DD6E6-C5C5-4CE2-BE61-FA3E364D0244}" dt="2019-11-06T09:52:59.786" v="16" actId="5793"/>
         <pc:sldMkLst>
           <pc:docMk/>
           <pc:sldMk cId="2965591346" sldId="262"/>
         </pc:sldMkLst>
       </pc:sldChg>
       <pc:sldChg chg="modNotesTx">
-        <pc:chgData name="Nikolay Dermendzhiev" userId="bcba64b7601bcff1" providerId="LiveId" clId="{332DD6E6-C5C5-4CE2-BE61-FA3E364D0244}" dt="2019-11-05T22:11:58.100" v="7" actId="20577"/>
+        <pc:chgData name="Nikolay Dermendzhiev" userId="bcba64b7601bcff1" providerId="LiveId" clId="{332DD6E6-C5C5-4CE2-BE61-FA3E364D0244}" dt="2019-11-06T09:52:54.490" v="12" actId="20577"/>
         <pc:sldMkLst>
           <pc:docMk/>
           <pc:sldMk cId="3328457738" sldId="263"/>
         </pc:sldMkLst>
       </pc:sldChg>
       <pc:sldChg chg="modNotesTx">
-        <pc:chgData name="Nikolay Dermendzhiev" userId="bcba64b7601bcff1" providerId="LiveId" clId="{332DD6E6-C5C5-4CE2-BE61-FA3E364D0244}" dt="2019-11-05T22:12:01.177" v="9" actId="5793"/>
+        <pc:chgData name="Nikolay Dermendzhiev" userId="bcba64b7601bcff1" providerId="LiveId" clId="{332DD6E6-C5C5-4CE2-BE61-FA3E364D0244}" dt="2019-11-06T09:52:57.130" v="14" actId="5793"/>
         <pc:sldMkLst>
           <pc:docMk/>
           <pc:sldMk cId="3993011456" sldId="264"/>
         </pc:sldMkLst>
       </pc:sldChg>
       <pc:sldChg chg="modNotesTx">
-        <pc:chgData name="Nikolay Dermendzhiev" userId="bcba64b7601bcff1" providerId="LiveId" clId="{332DD6E6-C5C5-4CE2-BE61-FA3E364D0244}" dt="2019-11-05T22:12:10.911" v="14" actId="20577"/>
+        <pc:chgData name="Nikolay Dermendzhiev" userId="bcba64b7601bcff1" providerId="LiveId" clId="{332DD6E6-C5C5-4CE2-BE61-FA3E364D0244}" dt="2019-11-06T09:53:06.864" v="19" actId="20577"/>
         <pc:sldMkLst>
           <pc:docMk/>
           <pc:sldMk cId="3743142709" sldId="267"/>
         </pc:sldMkLst>
       </pc:sldChg>
       <pc:sldChg chg="modNotesTx">
-        <pc:chgData name="Nikolay Dermendzhiev" userId="bcba64b7601bcff1" providerId="LiveId" clId="{332DD6E6-C5C5-4CE2-BE61-FA3E364D0244}" dt="2019-11-05T22:12:13.208" v="15" actId="20577"/>
+        <pc:chgData name="Nikolay Dermendzhiev" userId="bcba64b7601bcff1" providerId="LiveId" clId="{332DD6E6-C5C5-4CE2-BE61-FA3E364D0244}" dt="2019-11-06T09:53:09.067" v="20" actId="20577"/>
         <pc:sldMkLst>
           <pc:docMk/>
           <pc:sldMk cId="1847647176" sldId="268"/>
         </pc:sldMkLst>
       </pc:sldChg>
       <pc:sldChg chg="modNotesTx">
-        <pc:chgData name="Nikolay Dermendzhiev" userId="bcba64b7601bcff1" providerId="LiveId" clId="{332DD6E6-C5C5-4CE2-BE61-FA3E364D0244}" dt="2019-11-05T22:12:19.602" v="19" actId="5793"/>
+        <pc:chgData name="Nikolay Dermendzhiev" userId="bcba64b7601bcff1" providerId="LiveId" clId="{332DD6E6-C5C5-4CE2-BE61-FA3E364D0244}" dt="2019-11-06T09:53:17.723" v="25" actId="5793"/>
         <pc:sldMkLst>
           <pc:docMk/>
           <pc:sldMk cId="2533940214" sldId="272"/>
         </pc:sldMkLst>
       </pc:sldChg>
       <pc:sldChg chg="modNotesTx">
-        <pc:chgData name="Nikolay Dermendzhiev" userId="bcba64b7601bcff1" providerId="LiveId" clId="{332DD6E6-C5C5-4CE2-BE61-FA3E364D0244}" dt="2019-11-05T22:12:06.318" v="13" actId="5793"/>
+        <pc:chgData name="Nikolay Dermendzhiev" userId="bcba64b7601bcff1" providerId="LiveId" clId="{332DD6E6-C5C5-4CE2-BE61-FA3E364D0244}" dt="2019-11-06T09:53:02.036" v="18" actId="5793"/>
         <pc:sldMkLst>
           <pc:docMk/>
           <pc:sldMk cId="2679695109" sldId="279"/>
         </pc:sldMkLst>
       </pc:sldChg>
       <pc:sldChg chg="modNotesTx">
-        <pc:chgData name="Nikolay Dermendzhiev" userId="bcba64b7601bcff1" providerId="LiveId" clId="{332DD6E6-C5C5-4CE2-BE61-FA3E364D0244}" dt="2019-11-05T22:12:15.337" v="17" actId="5793"/>
+        <pc:chgData name="Nikolay Dermendzhiev" userId="bcba64b7601bcff1" providerId="LiveId" clId="{332DD6E6-C5C5-4CE2-BE61-FA3E364D0244}" dt="2019-11-06T09:53:26.956" v="27" actId="5793"/>
         <pc:sldMkLst>
           <pc:docMk/>
           <pc:sldMk cId="4134228720" sldId="280"/>
@@ -976,7 +944,7 @@
           <a:p>
             <a:fld id="{4E8A54D2-1906-4E6F-87FA-B21CBC57671C}" type="slidenum">
               <a:rPr lang="en-US" smtClean="0"/>
-              <a:t>10</a:t>
+              <a:t>12</a:t>
             </a:fld>
             <a:endParaRPr lang="en-US"/>
           </a:p>
@@ -985,7 +953,7 @@
     </p:spTree>
     <p:extLst>
       <p:ext uri="{BB962C8B-B14F-4D97-AF65-F5344CB8AC3E}">
-        <p14:creationId xmlns:p14="http://schemas.microsoft.com/office/powerpoint/2010/main" val="2273526999"/>
+        <p14:creationId xmlns:p14="http://schemas.microsoft.com/office/powerpoint/2010/main" val="3664165712"/>
       </p:ext>
     </p:extLst>
   </p:cSld>
@@ -1060,7 +1028,7 @@
           <a:p>
             <a:fld id="{4E8A54D2-1906-4E6F-87FA-B21CBC57671C}" type="slidenum">
               <a:rPr lang="en-US" smtClean="0"/>
-              <a:t>12</a:t>
+              <a:t>13</a:t>
             </a:fld>
             <a:endParaRPr lang="en-US"/>
           </a:p>
@@ -1069,7 +1037,7 @@
     </p:spTree>
     <p:extLst>
       <p:ext uri="{BB962C8B-B14F-4D97-AF65-F5344CB8AC3E}">
-        <p14:creationId xmlns:p14="http://schemas.microsoft.com/office/powerpoint/2010/main" val="3664165712"/>
+        <p14:creationId xmlns:p14="http://schemas.microsoft.com/office/powerpoint/2010/main" val="1110125650"/>
       </p:ext>
     </p:extLst>
   </p:cSld>
@@ -1123,6 +1091,10 @@
           <a:bodyPr/>
           <a:lstStyle/>
           <a:p>
+            <a:pPr marL="0" indent="0">
+              <a:buFont typeface="Arial" panose="020B0604020202020204" pitchFamily="34" charset="0"/>
+              <a:buNone/>
+            </a:pPr>
             <a:endParaRPr lang="en-US" dirty="0"/>
           </a:p>
         </p:txBody>
@@ -1144,7 +1116,7 @@
           <a:p>
             <a:fld id="{4E8A54D2-1906-4E6F-87FA-B21CBC57671C}" type="slidenum">
               <a:rPr lang="en-US" smtClean="0"/>
-              <a:t>13</a:t>
+              <a:t>14</a:t>
             </a:fld>
             <a:endParaRPr lang="en-US"/>
           </a:p>
@@ -1153,7 +1125,7 @@
     </p:spTree>
     <p:extLst>
       <p:ext uri="{BB962C8B-B14F-4D97-AF65-F5344CB8AC3E}">
-        <p14:creationId xmlns:p14="http://schemas.microsoft.com/office/powerpoint/2010/main" val="1110125650"/>
+        <p14:creationId xmlns:p14="http://schemas.microsoft.com/office/powerpoint/2010/main" val="3033294340"/>
       </p:ext>
     </p:extLst>
   </p:cSld>
@@ -1232,179 +1204,7 @@
           <a:p>
             <a:fld id="{4E8A54D2-1906-4E6F-87FA-B21CBC57671C}" type="slidenum">
               <a:rPr lang="en-US" smtClean="0"/>
-              <a:t>14</a:t>
-            </a:fld>
-            <a:endParaRPr lang="en-US"/>
-          </a:p>
-        </p:txBody>
-      </p:sp>
-    </p:spTree>
-    <p:extLst>
-      <p:ext uri="{BB962C8B-B14F-4D97-AF65-F5344CB8AC3E}">
-        <p14:creationId xmlns:p14="http://schemas.microsoft.com/office/powerpoint/2010/main" val="3033294340"/>
-      </p:ext>
-    </p:extLst>
-  </p:cSld>
-  <p:clrMapOvr>
-    <a:masterClrMapping/>
-  </p:clrMapOvr>
-</p:notes>
-</file>
-
-<file path=ppt/notesSlides/notesSlide14.xml><?xml version="1.0" encoding="utf-8"?>
-<p:notes xmlns:a="http://schemas.openxmlformats.org/drawingml/2006/main" xmlns:r="http://schemas.openxmlformats.org/officeDocument/2006/relationships" xmlns:p="http://schemas.openxmlformats.org/presentationml/2006/main">
-  <p:cSld>
-    <p:spTree>
-      <p:nvGrpSpPr>
-        <p:cNvPr id="1" name=""/>
-        <p:cNvGrpSpPr/>
-        <p:nvPr/>
-      </p:nvGrpSpPr>
-      <p:grpSpPr>
-        <a:xfrm>
-          <a:off x="0" y="0"/>
-          <a:ext cx="0" cy="0"/>
-          <a:chOff x="0" y="0"/>
-          <a:chExt cx="0" cy="0"/>
-        </a:xfrm>
-      </p:grpSpPr>
-      <p:sp>
-        <p:nvSpPr>
-          <p:cNvPr id="2" name="Slide Image Placeholder 1"/>
-          <p:cNvSpPr>
-            <a:spLocks noGrp="1" noRot="1" noChangeAspect="1"/>
-          </p:cNvSpPr>
-          <p:nvPr>
-            <p:ph type="sldImg"/>
-          </p:nvPr>
-        </p:nvSpPr>
-        <p:spPr/>
-      </p:sp>
-      <p:sp>
-        <p:nvSpPr>
-          <p:cNvPr id="3" name="Notes Placeholder 2"/>
-          <p:cNvSpPr>
-            <a:spLocks noGrp="1"/>
-          </p:cNvSpPr>
-          <p:nvPr>
-            <p:ph type="body" idx="1"/>
-          </p:nvPr>
-        </p:nvSpPr>
-        <p:spPr/>
-        <p:txBody>
-          <a:bodyPr/>
-          <a:lstStyle/>
-          <a:p>
-            <a:endParaRPr lang="en-US" dirty="0"/>
-          </a:p>
-        </p:txBody>
-      </p:sp>
-      <p:sp>
-        <p:nvSpPr>
-          <p:cNvPr id="4" name="Slide Number Placeholder 3"/>
-          <p:cNvSpPr>
-            <a:spLocks noGrp="1"/>
-          </p:cNvSpPr>
-          <p:nvPr>
-            <p:ph type="sldNum" sz="quarter" idx="5"/>
-          </p:nvPr>
-        </p:nvSpPr>
-        <p:spPr/>
-        <p:txBody>
-          <a:bodyPr/>
-          <a:lstStyle/>
-          <a:p>
-            <a:fld id="{4E8A54D2-1906-4E6F-87FA-B21CBC57671C}" type="slidenum">
-              <a:rPr lang="en-US" smtClean="0"/>
-              <a:t>15</a:t>
-            </a:fld>
-            <a:endParaRPr lang="en-US"/>
-          </a:p>
-        </p:txBody>
-      </p:sp>
-    </p:spTree>
-    <p:extLst>
-      <p:ext uri="{BB962C8B-B14F-4D97-AF65-F5344CB8AC3E}">
-        <p14:creationId xmlns:p14="http://schemas.microsoft.com/office/powerpoint/2010/main" val="3662986538"/>
-      </p:ext>
-    </p:extLst>
-  </p:cSld>
-  <p:clrMapOvr>
-    <a:masterClrMapping/>
-  </p:clrMapOvr>
-</p:notes>
-</file>
-
-<file path=ppt/notesSlides/notesSlide15.xml><?xml version="1.0" encoding="utf-8"?>
-<p:notes xmlns:a="http://schemas.openxmlformats.org/drawingml/2006/main" xmlns:r="http://schemas.openxmlformats.org/officeDocument/2006/relationships" xmlns:p="http://schemas.openxmlformats.org/presentationml/2006/main">
-  <p:cSld>
-    <p:spTree>
-      <p:nvGrpSpPr>
-        <p:cNvPr id="1" name=""/>
-        <p:cNvGrpSpPr/>
-        <p:nvPr/>
-      </p:nvGrpSpPr>
-      <p:grpSpPr>
-        <a:xfrm>
-          <a:off x="0" y="0"/>
-          <a:ext cx="0" cy="0"/>
-          <a:chOff x="0" y="0"/>
-          <a:chExt cx="0" cy="0"/>
-        </a:xfrm>
-      </p:grpSpPr>
-      <p:sp>
-        <p:nvSpPr>
-          <p:cNvPr id="2" name="Slide Image Placeholder 1"/>
-          <p:cNvSpPr>
-            <a:spLocks noGrp="1" noRot="1" noChangeAspect="1"/>
-          </p:cNvSpPr>
-          <p:nvPr>
-            <p:ph type="sldImg"/>
-          </p:nvPr>
-        </p:nvSpPr>
-        <p:spPr/>
-      </p:sp>
-      <p:sp>
-        <p:nvSpPr>
-          <p:cNvPr id="3" name="Notes Placeholder 2"/>
-          <p:cNvSpPr>
-            <a:spLocks noGrp="1"/>
-          </p:cNvSpPr>
-          <p:nvPr>
-            <p:ph type="body" idx="1"/>
-          </p:nvPr>
-        </p:nvSpPr>
-        <p:spPr/>
-        <p:txBody>
-          <a:bodyPr/>
-          <a:lstStyle/>
-          <a:p>
-            <a:pPr marL="0" indent="0">
-              <a:buFont typeface="Arial" panose="020B0604020202020204" pitchFamily="34" charset="0"/>
-              <a:buNone/>
-            </a:pPr>
-            <a:endParaRPr lang="en-US" dirty="0"/>
-          </a:p>
-        </p:txBody>
-      </p:sp>
-      <p:sp>
-        <p:nvSpPr>
-          <p:cNvPr id="4" name="Slide Number Placeholder 3"/>
-          <p:cNvSpPr>
-            <a:spLocks noGrp="1"/>
-          </p:cNvSpPr>
-          <p:nvPr>
-            <p:ph type="sldNum" sz="quarter" idx="5"/>
-          </p:nvPr>
-        </p:nvSpPr>
-        <p:spPr/>
-        <p:txBody>
-          <a:bodyPr/>
-          <a:lstStyle/>
-          <a:p>
-            <a:fld id="{4E8A54D2-1906-4E6F-87FA-B21CBC57671C}" type="slidenum">
-              <a:rPr lang="en-US" smtClean="0"/>
-              <a:t>17</a:t>
+              <a:t>16</a:t>
             </a:fld>
             <a:endParaRPr lang="en-US"/>
           </a:p>
@@ -1639,7 +1439,11 @@
           <a:bodyPr/>
           <a:lstStyle/>
           <a:p>
-            <a:endParaRPr lang="en-US" dirty="0"/>
+            <a:pPr marL="0" indent="0">
+              <a:buFont typeface="Arial" panose="020B0604020202020204" pitchFamily="34" charset="0"/>
+              <a:buNone/>
+            </a:pPr>
+            <a:endParaRPr lang="en-US" sz="1200" dirty="0"/>
           </a:p>
         </p:txBody>
       </p:sp>
@@ -1660,7 +1464,7 @@
           <a:p>
             <a:fld id="{4E8A54D2-1906-4E6F-87FA-B21CBC57671C}" type="slidenum">
               <a:rPr lang="en-US" smtClean="0"/>
-              <a:t>4</a:t>
+              <a:t>5</a:t>
             </a:fld>
             <a:endParaRPr lang="en-US"/>
           </a:p>
@@ -1669,7 +1473,7 @@
     </p:spTree>
     <p:extLst>
       <p:ext uri="{BB962C8B-B14F-4D97-AF65-F5344CB8AC3E}">
-        <p14:creationId xmlns:p14="http://schemas.microsoft.com/office/powerpoint/2010/main" val="1605075565"/>
+        <p14:creationId xmlns:p14="http://schemas.microsoft.com/office/powerpoint/2010/main" val="2903037715"/>
       </p:ext>
     </p:extLst>
   </p:cSld>
@@ -1723,11 +1527,7 @@
           <a:bodyPr/>
           <a:lstStyle/>
           <a:p>
-            <a:pPr marL="0" indent="0">
-              <a:buFont typeface="Arial" panose="020B0604020202020204" pitchFamily="34" charset="0"/>
-              <a:buNone/>
-            </a:pPr>
-            <a:endParaRPr lang="en-US" sz="1200" dirty="0"/>
+            <a:endParaRPr lang="en-US" dirty="0"/>
           </a:p>
         </p:txBody>
       </p:sp>
@@ -1748,7 +1548,7 @@
           <a:p>
             <a:fld id="{4E8A54D2-1906-4E6F-87FA-B21CBC57671C}" type="slidenum">
               <a:rPr lang="en-US" smtClean="0"/>
-              <a:t>5</a:t>
+              <a:t>6</a:t>
             </a:fld>
             <a:endParaRPr lang="en-US"/>
           </a:p>
@@ -1757,7 +1557,7 @@
     </p:spTree>
     <p:extLst>
       <p:ext uri="{BB962C8B-B14F-4D97-AF65-F5344CB8AC3E}">
-        <p14:creationId xmlns:p14="http://schemas.microsoft.com/office/powerpoint/2010/main" val="2903037715"/>
+        <p14:creationId xmlns:p14="http://schemas.microsoft.com/office/powerpoint/2010/main" val="3322908705"/>
       </p:ext>
     </p:extLst>
   </p:cSld>
@@ -1811,6 +1611,10 @@
           <a:bodyPr/>
           <a:lstStyle/>
           <a:p>
+            <a:pPr marL="0" indent="0">
+              <a:buFont typeface="Arial" panose="020B0604020202020204" pitchFamily="34" charset="0"/>
+              <a:buNone/>
+            </a:pPr>
             <a:endParaRPr lang="en-US" dirty="0"/>
           </a:p>
         </p:txBody>
@@ -1832,7 +1636,7 @@
           <a:p>
             <a:fld id="{4E8A54D2-1906-4E6F-87FA-B21CBC57671C}" type="slidenum">
               <a:rPr lang="en-US" smtClean="0"/>
-              <a:t>6</a:t>
+              <a:t>7</a:t>
             </a:fld>
             <a:endParaRPr lang="en-US"/>
           </a:p>
@@ -1841,7 +1645,7 @@
     </p:spTree>
     <p:extLst>
       <p:ext uri="{BB962C8B-B14F-4D97-AF65-F5344CB8AC3E}">
-        <p14:creationId xmlns:p14="http://schemas.microsoft.com/office/powerpoint/2010/main" val="3322908705"/>
+        <p14:creationId xmlns:p14="http://schemas.microsoft.com/office/powerpoint/2010/main" val="863488442"/>
       </p:ext>
     </p:extLst>
   </p:cSld>
@@ -1895,7 +1699,7 @@
           <a:bodyPr/>
           <a:lstStyle/>
           <a:p>
-            <a:pPr marL="0" indent="0">
+            <a:pPr marL="0" lvl="0" indent="0">
               <a:buFont typeface="Arial" panose="020B0604020202020204" pitchFamily="34" charset="0"/>
               <a:buNone/>
             </a:pPr>
@@ -1920,7 +1724,7 @@
           <a:p>
             <a:fld id="{4E8A54D2-1906-4E6F-87FA-B21CBC57671C}" type="slidenum">
               <a:rPr lang="en-US" smtClean="0"/>
-              <a:t>7</a:t>
+              <a:t>8</a:t>
             </a:fld>
             <a:endParaRPr lang="en-US"/>
           </a:p>
@@ -1929,7 +1733,7 @@
     </p:spTree>
     <p:extLst>
       <p:ext uri="{BB962C8B-B14F-4D97-AF65-F5344CB8AC3E}">
-        <p14:creationId xmlns:p14="http://schemas.microsoft.com/office/powerpoint/2010/main" val="863488442"/>
+        <p14:creationId xmlns:p14="http://schemas.microsoft.com/office/powerpoint/2010/main" val="1707724153"/>
       </p:ext>
     </p:extLst>
   </p:cSld>
@@ -1983,7 +1787,7 @@
           <a:bodyPr/>
           <a:lstStyle/>
           <a:p>
-            <a:pPr marL="0" lvl="0" indent="0">
+            <a:pPr marL="0" indent="0">
               <a:buFont typeface="Arial" panose="020B0604020202020204" pitchFamily="34" charset="0"/>
               <a:buNone/>
             </a:pPr>
@@ -2008,7 +1812,7 @@
           <a:p>
             <a:fld id="{4E8A54D2-1906-4E6F-87FA-B21CBC57671C}" type="slidenum">
               <a:rPr lang="en-US" smtClean="0"/>
-              <a:t>8</a:t>
+              <a:t>9</a:t>
             </a:fld>
             <a:endParaRPr lang="en-US"/>
           </a:p>
@@ -2017,7 +1821,7 @@
     </p:spTree>
     <p:extLst>
       <p:ext uri="{BB962C8B-B14F-4D97-AF65-F5344CB8AC3E}">
-        <p14:creationId xmlns:p14="http://schemas.microsoft.com/office/powerpoint/2010/main" val="1707724153"/>
+        <p14:creationId xmlns:p14="http://schemas.microsoft.com/office/powerpoint/2010/main" val="3383367752"/>
       </p:ext>
     </p:extLst>
   </p:cSld>
@@ -2071,10 +1875,6 @@
           <a:bodyPr/>
           <a:lstStyle/>
           <a:p>
-            <a:pPr marL="0" indent="0">
-              <a:buFont typeface="Arial" panose="020B0604020202020204" pitchFamily="34" charset="0"/>
-              <a:buNone/>
-            </a:pPr>
             <a:endParaRPr lang="en-US" dirty="0"/>
           </a:p>
         </p:txBody>
@@ -2096,7 +1896,7 @@
           <a:p>
             <a:fld id="{4E8A54D2-1906-4E6F-87FA-B21CBC57671C}" type="slidenum">
               <a:rPr lang="en-US" smtClean="0"/>
-              <a:t>9</a:t>
+              <a:t>10</a:t>
             </a:fld>
             <a:endParaRPr lang="en-US"/>
           </a:p>
@@ -2105,7 +1905,7 @@
     </p:spTree>
     <p:extLst>
       <p:ext uri="{BB962C8B-B14F-4D97-AF65-F5344CB8AC3E}">
-        <p14:creationId xmlns:p14="http://schemas.microsoft.com/office/powerpoint/2010/main" val="3383367752"/>
+        <p14:creationId xmlns:p14="http://schemas.microsoft.com/office/powerpoint/2010/main" val="2273526999"/>
       </p:ext>
     </p:extLst>
   </p:cSld>
@@ -7718,152 +7518,6 @@
       </p:grpSpPr>
       <p:sp>
         <p:nvSpPr>
-          <p:cNvPr id="2" name="Title 1">
-            <a:extLst>
-              <a:ext uri="{FF2B5EF4-FFF2-40B4-BE49-F238E27FC236}">
-                <a16:creationId xmlns:a16="http://schemas.microsoft.com/office/drawing/2014/main" id="{4B18F2B5-09C3-437D-896F-82D158613892}"/>
-              </a:ext>
-            </a:extLst>
-          </p:cNvPr>
-          <p:cNvSpPr>
-            <a:spLocks noGrp="1"/>
-          </p:cNvSpPr>
-          <p:nvPr>
-            <p:ph type="title"/>
-          </p:nvPr>
-        </p:nvSpPr>
-        <p:spPr>
-          <a:xfrm>
-            <a:off x="838200" y="365125"/>
-            <a:ext cx="10515600" cy="1325563"/>
-          </a:xfrm>
-        </p:spPr>
-        <p:txBody>
-          <a:bodyPr>
-            <a:normAutofit/>
-          </a:bodyPr>
-          <a:lstStyle/>
-          <a:p>
-            <a:r>
-              <a:rPr lang="en-US" sz="3600" dirty="0"/>
-              <a:t>More to talk about</a:t>
-            </a:r>
-          </a:p>
-        </p:txBody>
-      </p:sp>
-      <p:sp>
-        <p:nvSpPr>
-          <p:cNvPr id="3" name="Content Placeholder 2">
-            <a:extLst>
-              <a:ext uri="{FF2B5EF4-FFF2-40B4-BE49-F238E27FC236}">
-                <a16:creationId xmlns:a16="http://schemas.microsoft.com/office/drawing/2014/main" id="{807DA3AB-F525-4BDD-8CB1-40D451EA56E4}"/>
-              </a:ext>
-            </a:extLst>
-          </p:cNvPr>
-          <p:cNvSpPr>
-            <a:spLocks noGrp="1"/>
-          </p:cNvSpPr>
-          <p:nvPr>
-            <p:ph idx="1"/>
-          </p:nvPr>
-        </p:nvSpPr>
-        <p:spPr>
-          <a:xfrm>
-            <a:off x="838200" y="1825625"/>
-            <a:ext cx="10515600" cy="4351338"/>
-          </a:xfrm>
-        </p:spPr>
-        <p:txBody>
-          <a:bodyPr>
-            <a:normAutofit/>
-          </a:bodyPr>
-          <a:lstStyle/>
-          <a:p>
-            <a:r>
-              <a:rPr lang="en-US" sz="2400" dirty="0"/>
-              <a:t>Dependency Injection</a:t>
-            </a:r>
-          </a:p>
-          <a:p>
-            <a:r>
-              <a:rPr lang="en-US" sz="2400" dirty="0"/>
-              <a:t>Debugging</a:t>
-            </a:r>
-          </a:p>
-          <a:p>
-            <a:r>
-              <a:rPr lang="en-US" sz="2400" dirty="0"/>
-              <a:t>Routing</a:t>
-            </a:r>
-          </a:p>
-          <a:p>
-            <a:r>
-              <a:rPr lang="en-US" sz="2400" dirty="0" err="1"/>
-              <a:t>Intellisense</a:t>
-            </a:r>
-            <a:r>
-              <a:rPr lang="en-US" sz="2400" dirty="0"/>
-              <a:t> and tooling</a:t>
-            </a:r>
-          </a:p>
-          <a:p>
-            <a:r>
-              <a:rPr lang="en-US" sz="2400" dirty="0"/>
-              <a:t>Layouts</a:t>
-            </a:r>
-          </a:p>
-          <a:p>
-            <a:r>
-              <a:rPr lang="en-US" sz="2400" dirty="0"/>
-              <a:t>JavaScript Interop</a:t>
-            </a:r>
-          </a:p>
-          <a:p>
-            <a:r>
-              <a:rPr lang="en-US" sz="2400" dirty="0"/>
-              <a:t>Forms &amp; Validation</a:t>
-            </a:r>
-          </a:p>
-          <a:p>
-            <a:r>
-              <a:rPr lang="en-US" sz="2400" dirty="0"/>
-              <a:t>Unit testing</a:t>
-            </a:r>
-          </a:p>
-        </p:txBody>
-      </p:sp>
-    </p:spTree>
-    <p:extLst>
-      <p:ext uri="{BB962C8B-B14F-4D97-AF65-F5344CB8AC3E}">
-        <p14:creationId xmlns:p14="http://schemas.microsoft.com/office/powerpoint/2010/main" val="598382105"/>
-      </p:ext>
-    </p:extLst>
-  </p:cSld>
-  <p:clrMapOvr>
-    <a:masterClrMapping/>
-  </p:clrMapOvr>
-</p:sld>
-</file>
-
-<file path=ppt/slides/slide17.xml><?xml version="1.0" encoding="utf-8"?>
-<p:sld xmlns:a="http://schemas.openxmlformats.org/drawingml/2006/main" xmlns:r="http://schemas.openxmlformats.org/officeDocument/2006/relationships" xmlns:p="http://schemas.openxmlformats.org/presentationml/2006/main">
-  <p:cSld>
-    <p:spTree>
-      <p:nvGrpSpPr>
-        <p:cNvPr id="1" name=""/>
-        <p:cNvGrpSpPr/>
-        <p:nvPr/>
-      </p:nvGrpSpPr>
-      <p:grpSpPr>
-        <a:xfrm>
-          <a:off x="0" y="0"/>
-          <a:ext cx="0" cy="0"/>
-          <a:chOff x="0" y="0"/>
-          <a:chExt cx="0" cy="0"/>
-        </a:xfrm>
-      </p:grpSpPr>
-      <p:sp>
-        <p:nvSpPr>
           <p:cNvPr id="2" name="Title 6">
             <a:extLst>
               <a:ext uri="{FF2B5EF4-FFF2-40B4-BE49-F238E27FC236}">
@@ -7961,10 +7615,9 @@
               <a:t>Blazor</a:t>
             </a:r>
             <a:r>
-              <a:rPr lang="en-US" sz="2400"/>
+              <a:rPr lang="en-US" sz="2400" dirty="0"/>
               <a:t> Hybrid (.NET Core)</a:t>
             </a:r>
-            <a:endParaRPr lang="en-US" sz="2400" dirty="0"/>
           </a:p>
           <a:p>
             <a:pPr lvl="1"/>
@@ -8347,7 +8000,7 @@
 </p:sld>
 </file>
 
-<file path=ppt/slides/slide18.xml><?xml version="1.0" encoding="utf-8"?>
+<file path=ppt/slides/slide17.xml><?xml version="1.0" encoding="utf-8"?>
 <p:sld xmlns:a="http://schemas.openxmlformats.org/drawingml/2006/main" xmlns:r="http://schemas.openxmlformats.org/officeDocument/2006/relationships" xmlns:p="http://schemas.openxmlformats.org/presentationml/2006/main">
   <p:cSld>
     <p:spTree>
@@ -8702,6 +8355,152 @@
 </p:sld>
 </file>
 
+<file path=ppt/slides/slide18.xml><?xml version="1.0" encoding="utf-8"?>
+<p:sld xmlns:a="http://schemas.openxmlformats.org/drawingml/2006/main" xmlns:r="http://schemas.openxmlformats.org/officeDocument/2006/relationships" xmlns:p="http://schemas.openxmlformats.org/presentationml/2006/main">
+  <p:cSld>
+    <p:spTree>
+      <p:nvGrpSpPr>
+        <p:cNvPr id="1" name=""/>
+        <p:cNvGrpSpPr/>
+        <p:nvPr/>
+      </p:nvGrpSpPr>
+      <p:grpSpPr>
+        <a:xfrm>
+          <a:off x="0" y="0"/>
+          <a:ext cx="0" cy="0"/>
+          <a:chOff x="0" y="0"/>
+          <a:chExt cx="0" cy="0"/>
+        </a:xfrm>
+      </p:grpSpPr>
+      <p:sp>
+        <p:nvSpPr>
+          <p:cNvPr id="2" name="Title 1">
+            <a:extLst>
+              <a:ext uri="{FF2B5EF4-FFF2-40B4-BE49-F238E27FC236}">
+                <a16:creationId xmlns:a16="http://schemas.microsoft.com/office/drawing/2014/main" id="{4B18F2B5-09C3-437D-896F-82D158613892}"/>
+              </a:ext>
+            </a:extLst>
+          </p:cNvPr>
+          <p:cNvSpPr>
+            <a:spLocks noGrp="1"/>
+          </p:cNvSpPr>
+          <p:nvPr>
+            <p:ph type="title"/>
+          </p:nvPr>
+        </p:nvSpPr>
+        <p:spPr>
+          <a:xfrm>
+            <a:off x="838200" y="365125"/>
+            <a:ext cx="10515600" cy="1325563"/>
+          </a:xfrm>
+        </p:spPr>
+        <p:txBody>
+          <a:bodyPr>
+            <a:normAutofit/>
+          </a:bodyPr>
+          <a:lstStyle/>
+          <a:p>
+            <a:r>
+              <a:rPr lang="en-US" sz="3600" dirty="0"/>
+              <a:t>More to talk about</a:t>
+            </a:r>
+          </a:p>
+        </p:txBody>
+      </p:sp>
+      <p:sp>
+        <p:nvSpPr>
+          <p:cNvPr id="3" name="Content Placeholder 2">
+            <a:extLst>
+              <a:ext uri="{FF2B5EF4-FFF2-40B4-BE49-F238E27FC236}">
+                <a16:creationId xmlns:a16="http://schemas.microsoft.com/office/drawing/2014/main" id="{807DA3AB-F525-4BDD-8CB1-40D451EA56E4}"/>
+              </a:ext>
+            </a:extLst>
+          </p:cNvPr>
+          <p:cNvSpPr>
+            <a:spLocks noGrp="1"/>
+          </p:cNvSpPr>
+          <p:nvPr>
+            <p:ph idx="1"/>
+          </p:nvPr>
+        </p:nvSpPr>
+        <p:spPr>
+          <a:xfrm>
+            <a:off x="838200" y="1825625"/>
+            <a:ext cx="10515600" cy="4351338"/>
+          </a:xfrm>
+        </p:spPr>
+        <p:txBody>
+          <a:bodyPr>
+            <a:normAutofit/>
+          </a:bodyPr>
+          <a:lstStyle/>
+          <a:p>
+            <a:r>
+              <a:rPr lang="en-US" sz="2400" dirty="0"/>
+              <a:t>Dependency Injection</a:t>
+            </a:r>
+          </a:p>
+          <a:p>
+            <a:r>
+              <a:rPr lang="en-US" sz="2400" dirty="0"/>
+              <a:t>Debugging</a:t>
+            </a:r>
+          </a:p>
+          <a:p>
+            <a:r>
+              <a:rPr lang="en-US" sz="2400" dirty="0"/>
+              <a:t>Routing</a:t>
+            </a:r>
+          </a:p>
+          <a:p>
+            <a:r>
+              <a:rPr lang="en-US" sz="2400" dirty="0" err="1"/>
+              <a:t>Intellisense</a:t>
+            </a:r>
+            <a:r>
+              <a:rPr lang="en-US" sz="2400" dirty="0"/>
+              <a:t> and tooling</a:t>
+            </a:r>
+          </a:p>
+          <a:p>
+            <a:r>
+              <a:rPr lang="en-US" sz="2400" dirty="0"/>
+              <a:t>Layouts</a:t>
+            </a:r>
+          </a:p>
+          <a:p>
+            <a:r>
+              <a:rPr lang="en-US" sz="2400" dirty="0"/>
+              <a:t>JavaScript Interop</a:t>
+            </a:r>
+          </a:p>
+          <a:p>
+            <a:r>
+              <a:rPr lang="en-US" sz="2400" dirty="0"/>
+              <a:t>Forms &amp; Validation</a:t>
+            </a:r>
+          </a:p>
+          <a:p>
+            <a:r>
+              <a:rPr lang="en-US" sz="2400" dirty="0"/>
+              <a:t>Unit testing</a:t>
+            </a:r>
+          </a:p>
+        </p:txBody>
+      </p:sp>
+    </p:spTree>
+    <p:extLst>
+      <p:ext uri="{BB962C8B-B14F-4D97-AF65-F5344CB8AC3E}">
+        <p14:creationId xmlns:p14="http://schemas.microsoft.com/office/powerpoint/2010/main" val="598382105"/>
+      </p:ext>
+    </p:extLst>
+  </p:cSld>
+  <p:clrMapOvr>
+    <a:masterClrMapping/>
+  </p:clrMapOvr>
+</p:sld>
+</file>
+
 <file path=ppt/slides/slide19.xml><?xml version="1.0" encoding="utf-8"?>
 <p:sld xmlns:a="http://schemas.openxmlformats.org/drawingml/2006/main" xmlns:r="http://schemas.openxmlformats.org/officeDocument/2006/relationships" xmlns:p="http://schemas.openxmlformats.org/presentationml/2006/main">
   <p:cSld>
@@ -9025,6 +8824,211 @@
           </a:p>
         </p:txBody>
       </p:sp>
+      <p:sp>
+        <p:nvSpPr>
+          <p:cNvPr id="3" name="Content Placeholder 7">
+            <a:extLst>
+              <a:ext uri="{FF2B5EF4-FFF2-40B4-BE49-F238E27FC236}">
+                <a16:creationId xmlns:a16="http://schemas.microsoft.com/office/drawing/2014/main" id="{F3F0C092-269F-426C-9493-23149EF84393}"/>
+              </a:ext>
+            </a:extLst>
+          </p:cNvPr>
+          <p:cNvSpPr txBox="1">
+            <a:spLocks/>
+          </p:cNvSpPr>
+          <p:nvPr/>
+        </p:nvSpPr>
+        <p:spPr>
+          <a:xfrm>
+            <a:off x="7670515" y="5524322"/>
+            <a:ext cx="4083121" cy="444964"/>
+          </a:xfrm>
+          <a:prstGeom prst="rect">
+            <a:avLst/>
+          </a:prstGeom>
+        </p:spPr>
+        <p:txBody>
+          <a:bodyPr>
+            <a:normAutofit/>
+          </a:bodyPr>
+          <a:lstStyle>
+            <a:lvl1pPr marL="228600" indent="-228600" algn="l" defTabSz="914400" rtl="0" eaLnBrk="1" latinLnBrk="0" hangingPunct="1">
+              <a:lnSpc>
+                <a:spcPct val="90000"/>
+              </a:lnSpc>
+              <a:spcBef>
+                <a:spcPts val="1000"/>
+              </a:spcBef>
+              <a:buFont typeface="Arial" panose="020B0604020202020204" pitchFamily="34" charset="0"/>
+              <a:buChar char="•"/>
+              <a:defRPr sz="4400" kern="1200">
+                <a:solidFill>
+                  <a:schemeClr val="tx1"/>
+                </a:solidFill>
+                <a:latin typeface="Segoe UI" panose="020B0502040204020203" pitchFamily="34" charset="0"/>
+                <a:ea typeface="+mn-ea"/>
+                <a:cs typeface="Segoe UI" panose="020B0502040204020203" pitchFamily="34" charset="0"/>
+              </a:defRPr>
+            </a:lvl1pPr>
+            <a:lvl2pPr marL="685800" indent="-228600" algn="l" defTabSz="914400" rtl="0" eaLnBrk="1" latinLnBrk="0" hangingPunct="1">
+              <a:lnSpc>
+                <a:spcPct val="90000"/>
+              </a:lnSpc>
+              <a:spcBef>
+                <a:spcPts val="500"/>
+              </a:spcBef>
+              <a:buFont typeface="Arial" panose="020B0604020202020204" pitchFamily="34" charset="0"/>
+              <a:buChar char="•"/>
+              <a:defRPr sz="4000" kern="1200">
+                <a:solidFill>
+                  <a:schemeClr val="tx1"/>
+                </a:solidFill>
+                <a:latin typeface="Segoe UI" panose="020B0502040204020203" pitchFamily="34" charset="0"/>
+                <a:ea typeface="+mn-ea"/>
+                <a:cs typeface="Segoe UI" panose="020B0502040204020203" pitchFamily="34" charset="0"/>
+              </a:defRPr>
+            </a:lvl2pPr>
+            <a:lvl3pPr marL="1143000" indent="-228600" algn="l" defTabSz="914400" rtl="0" eaLnBrk="1" latinLnBrk="0" hangingPunct="1">
+              <a:lnSpc>
+                <a:spcPct val="90000"/>
+              </a:lnSpc>
+              <a:spcBef>
+                <a:spcPts val="500"/>
+              </a:spcBef>
+              <a:buFont typeface="Arial" panose="020B0604020202020204" pitchFamily="34" charset="0"/>
+              <a:buChar char="•"/>
+              <a:defRPr sz="3600" kern="1200">
+                <a:solidFill>
+                  <a:schemeClr val="tx1"/>
+                </a:solidFill>
+                <a:latin typeface="Segoe UI" panose="020B0502040204020203" pitchFamily="34" charset="0"/>
+                <a:ea typeface="+mn-ea"/>
+                <a:cs typeface="Segoe UI" panose="020B0502040204020203" pitchFamily="34" charset="0"/>
+              </a:defRPr>
+            </a:lvl3pPr>
+            <a:lvl4pPr marL="1600200" indent="-228600" algn="l" defTabSz="914400" rtl="0" eaLnBrk="1" latinLnBrk="0" hangingPunct="1">
+              <a:lnSpc>
+                <a:spcPct val="90000"/>
+              </a:lnSpc>
+              <a:spcBef>
+                <a:spcPts val="500"/>
+              </a:spcBef>
+              <a:buFont typeface="Arial" panose="020B0604020202020204" pitchFamily="34" charset="0"/>
+              <a:buChar char="•"/>
+              <a:defRPr sz="3200" kern="1200">
+                <a:solidFill>
+                  <a:schemeClr val="tx1"/>
+                </a:solidFill>
+                <a:latin typeface="Segoe UI" panose="020B0502040204020203" pitchFamily="34" charset="0"/>
+                <a:ea typeface="+mn-ea"/>
+                <a:cs typeface="Segoe UI" panose="020B0502040204020203" pitchFamily="34" charset="0"/>
+              </a:defRPr>
+            </a:lvl4pPr>
+            <a:lvl5pPr marL="2057400" indent="-228600" algn="l" defTabSz="914400" rtl="0" eaLnBrk="1" latinLnBrk="0" hangingPunct="1">
+              <a:lnSpc>
+                <a:spcPct val="90000"/>
+              </a:lnSpc>
+              <a:spcBef>
+                <a:spcPts val="500"/>
+              </a:spcBef>
+              <a:buFont typeface="Arial" panose="020B0604020202020204" pitchFamily="34" charset="0"/>
+              <a:buChar char="•"/>
+              <a:defRPr sz="3200" kern="1200">
+                <a:solidFill>
+                  <a:schemeClr val="tx1"/>
+                </a:solidFill>
+                <a:latin typeface="Segoe UI" panose="020B0502040204020203" pitchFamily="34" charset="0"/>
+                <a:ea typeface="+mn-ea"/>
+                <a:cs typeface="Segoe UI" panose="020B0502040204020203" pitchFamily="34" charset="0"/>
+              </a:defRPr>
+            </a:lvl5pPr>
+            <a:lvl6pPr marL="2514600" indent="-228600" algn="l" defTabSz="914400" rtl="0" eaLnBrk="1" latinLnBrk="0" hangingPunct="1">
+              <a:lnSpc>
+                <a:spcPct val="90000"/>
+              </a:lnSpc>
+              <a:spcBef>
+                <a:spcPts val="500"/>
+              </a:spcBef>
+              <a:buFont typeface="Arial" panose="020B0604020202020204" pitchFamily="34" charset="0"/>
+              <a:buChar char="•"/>
+              <a:defRPr sz="1800" kern="1200">
+                <a:solidFill>
+                  <a:schemeClr val="tx1"/>
+                </a:solidFill>
+                <a:latin typeface="+mn-lt"/>
+                <a:ea typeface="+mn-ea"/>
+                <a:cs typeface="+mn-cs"/>
+              </a:defRPr>
+            </a:lvl6pPr>
+            <a:lvl7pPr marL="2971800" indent="-228600" algn="l" defTabSz="914400" rtl="0" eaLnBrk="1" latinLnBrk="0" hangingPunct="1">
+              <a:lnSpc>
+                <a:spcPct val="90000"/>
+              </a:lnSpc>
+              <a:spcBef>
+                <a:spcPts val="500"/>
+              </a:spcBef>
+              <a:buFont typeface="Arial" panose="020B0604020202020204" pitchFamily="34" charset="0"/>
+              <a:buChar char="•"/>
+              <a:defRPr sz="1800" kern="1200">
+                <a:solidFill>
+                  <a:schemeClr val="tx1"/>
+                </a:solidFill>
+                <a:latin typeface="+mn-lt"/>
+                <a:ea typeface="+mn-ea"/>
+                <a:cs typeface="+mn-cs"/>
+              </a:defRPr>
+            </a:lvl7pPr>
+            <a:lvl8pPr marL="3429000" indent="-228600" algn="l" defTabSz="914400" rtl="0" eaLnBrk="1" latinLnBrk="0" hangingPunct="1">
+              <a:lnSpc>
+                <a:spcPct val="90000"/>
+              </a:lnSpc>
+              <a:spcBef>
+                <a:spcPts val="500"/>
+              </a:spcBef>
+              <a:buFont typeface="Arial" panose="020B0604020202020204" pitchFamily="34" charset="0"/>
+              <a:buChar char="•"/>
+              <a:defRPr sz="1800" kern="1200">
+                <a:solidFill>
+                  <a:schemeClr val="tx1"/>
+                </a:solidFill>
+                <a:latin typeface="+mn-lt"/>
+                <a:ea typeface="+mn-ea"/>
+                <a:cs typeface="+mn-cs"/>
+              </a:defRPr>
+            </a:lvl8pPr>
+            <a:lvl9pPr marL="3886200" indent="-228600" algn="l" defTabSz="914400" rtl="0" eaLnBrk="1" latinLnBrk="0" hangingPunct="1">
+              <a:lnSpc>
+                <a:spcPct val="90000"/>
+              </a:lnSpc>
+              <a:spcBef>
+                <a:spcPts val="500"/>
+              </a:spcBef>
+              <a:buFont typeface="Arial" panose="020B0604020202020204" pitchFamily="34" charset="0"/>
+              <a:buChar char="•"/>
+              <a:defRPr sz="1800" kern="1200">
+                <a:solidFill>
+                  <a:schemeClr val="tx1"/>
+                </a:solidFill>
+                <a:latin typeface="+mn-lt"/>
+                <a:ea typeface="+mn-ea"/>
+                <a:cs typeface="+mn-cs"/>
+              </a:defRPr>
+            </a:lvl9pPr>
+          </a:lstStyle>
+          <a:p>
+            <a:pPr marL="0" indent="0">
+              <a:buNone/>
+            </a:pPr>
+            <a:r>
+              <a:rPr lang="en-US" sz="1800" dirty="0">
+                <a:hlinkClick r:id="rId2"/>
+              </a:rPr>
+              <a:t>https://bit.ly/dotnetconf-sofia-blazor</a:t>
+            </a:r>
+            <a:endParaRPr lang="en-US" sz="1800" dirty="0"/>
+          </a:p>
+        </p:txBody>
+      </p:sp>
     </p:spTree>
     <p:extLst>
       <p:ext uri="{BB962C8B-B14F-4D97-AF65-F5344CB8AC3E}">
@@ -9035,6 +9039,88 @@
   <p:clrMapOvr>
     <a:masterClrMapping/>
   </p:clrMapOvr>
+  <p:timing>
+    <p:tnLst>
+      <p:par>
+        <p:cTn id="1" dur="indefinite" restart="never" nodeType="tmRoot">
+          <p:childTnLst>
+            <p:seq concurrent="1" nextAc="seek">
+              <p:cTn id="2" dur="indefinite" nodeType="mainSeq">
+                <p:childTnLst>
+                  <p:par>
+                    <p:cTn id="3" fill="hold">
+                      <p:stCondLst>
+                        <p:cond delay="indefinite"/>
+                      </p:stCondLst>
+                      <p:childTnLst>
+                        <p:par>
+                          <p:cTn id="4" fill="hold">
+                            <p:stCondLst>
+                              <p:cond delay="0"/>
+                            </p:stCondLst>
+                            <p:childTnLst>
+                              <p:par>
+                                <p:cTn id="5" presetID="1" presetClass="entr" presetSubtype="0" fill="hold" grpId="0" nodeType="clickEffect">
+                                  <p:stCondLst>
+                                    <p:cond delay="0"/>
+                                  </p:stCondLst>
+                                  <p:childTnLst>
+                                    <p:set>
+                                      <p:cBhvr>
+                                        <p:cTn id="6" dur="1" fill="hold">
+                                          <p:stCondLst>
+                                            <p:cond delay="0"/>
+                                          </p:stCondLst>
+                                        </p:cTn>
+                                        <p:tgtEl>
+                                          <p:spTgt spid="3">
+                                            <p:txEl>
+                                              <p:pRg st="0" end="0"/>
+                                            </p:txEl>
+                                          </p:spTgt>
+                                        </p:tgtEl>
+                                        <p:attrNameLst>
+                                          <p:attrName>style.visibility</p:attrName>
+                                        </p:attrNameLst>
+                                      </p:cBhvr>
+                                      <p:to>
+                                        <p:strVal val="visible"/>
+                                      </p:to>
+                                    </p:set>
+                                  </p:childTnLst>
+                                </p:cTn>
+                              </p:par>
+                            </p:childTnLst>
+                          </p:cTn>
+                        </p:par>
+                      </p:childTnLst>
+                    </p:cTn>
+                  </p:par>
+                </p:childTnLst>
+              </p:cTn>
+              <p:prevCondLst>
+                <p:cond evt="onPrev" delay="0">
+                  <p:tgtEl>
+                    <p:sldTgt/>
+                  </p:tgtEl>
+                </p:cond>
+              </p:prevCondLst>
+              <p:nextCondLst>
+                <p:cond evt="onNext" delay="0">
+                  <p:tgtEl>
+                    <p:sldTgt/>
+                  </p:tgtEl>
+                </p:cond>
+              </p:nextCondLst>
+            </p:seq>
+          </p:childTnLst>
+        </p:cTn>
+      </p:par>
+    </p:tnLst>
+    <p:bldLst>
+      <p:bldP spid="3" grpId="0" build="p"/>
+    </p:bldLst>
+  </p:timing>
 </p:sld>
 </file>
 
@@ -11236,13 +11322,13 @@
           <p:nvPr/>
         </p:nvPicPr>
         <p:blipFill>
-          <a:blip r:embed="rId3">
+          <a:blip r:embed="rId2">
             <a:extLst>
               <a:ext uri="{28A0092B-C50C-407E-A947-70E740481C1C}">
                 <a14:useLocalDpi xmlns:a14="http://schemas.microsoft.com/office/drawing/2010/main" val="0"/>
               </a:ext>
               <a:ext uri="{96DAC541-7B7A-43D3-8B79-37D633B846F1}">
-                <asvg:svgBlip xmlns:asvg="http://schemas.microsoft.com/office/drawing/2016/SVG/main" r:embed="rId4"/>
+                <asvg:svgBlip xmlns:asvg="http://schemas.microsoft.com/office/drawing/2016/SVG/main" r:embed="rId3"/>
               </a:ext>
             </a:extLst>
           </a:blip>
@@ -12201,7 +12287,7 @@
             <p:nvPr/>
           </p:nvPicPr>
           <p:blipFill>
-            <a:blip r:embed="rId5"/>
+            <a:blip r:embed="rId4"/>
             <a:stretch>
               <a:fillRect/>
             </a:stretch>
@@ -12454,13 +12540,13 @@
           <p:nvPr/>
         </p:nvPicPr>
         <p:blipFill>
-          <a:blip r:embed="rId6">
+          <a:blip r:embed="rId5">
             <a:extLst>
               <a:ext uri="{28A0092B-C50C-407E-A947-70E740481C1C}">
                 <a14:useLocalDpi xmlns:a14="http://schemas.microsoft.com/office/drawing/2010/main" val="0"/>
               </a:ext>
               <a:ext uri="{96DAC541-7B7A-43D3-8B79-37D633B846F1}">
-                <asvg:svgBlip xmlns:asvg="http://schemas.microsoft.com/office/drawing/2016/SVG/main" r:embed="rId7"/>
+                <asvg:svgBlip xmlns:asvg="http://schemas.microsoft.com/office/drawing/2016/SVG/main" r:embed="rId6"/>
               </a:ext>
             </a:extLst>
           </a:blip>
@@ -12493,13 +12579,13 @@
           <p:nvPr/>
         </p:nvPicPr>
         <p:blipFill>
-          <a:blip r:embed="rId6">
+          <a:blip r:embed="rId5">
             <a:extLst>
               <a:ext uri="{28A0092B-C50C-407E-A947-70E740481C1C}">
                 <a14:useLocalDpi xmlns:a14="http://schemas.microsoft.com/office/drawing/2010/main" val="0"/>
               </a:ext>
               <a:ext uri="{96DAC541-7B7A-43D3-8B79-37D633B846F1}">
-                <asvg:svgBlip xmlns:asvg="http://schemas.microsoft.com/office/drawing/2016/SVG/main" r:embed="rId7"/>
+                <asvg:svgBlip xmlns:asvg="http://schemas.microsoft.com/office/drawing/2016/SVG/main" r:embed="rId6"/>
               </a:ext>
             </a:extLst>
           </a:blip>
@@ -12605,7 +12691,7 @@
             <p:nvPr/>
           </p:nvPicPr>
           <p:blipFill>
-            <a:blip r:embed="rId8"/>
+            <a:blip r:embed="rId7"/>
             <a:stretch>
               <a:fillRect/>
             </a:stretch>
@@ -12636,7 +12722,7 @@
           <p:nvPr/>
         </p:nvPicPr>
         <p:blipFill>
-          <a:blip r:embed="rId9">
+          <a:blip r:embed="rId8">
             <a:extLst>
               <a:ext uri="{28A0092B-C50C-407E-A947-70E740481C1C}">
                 <a14:useLocalDpi xmlns:a14="http://schemas.microsoft.com/office/drawing/2010/main" val="0"/>
@@ -12672,7 +12758,7 @@
           <p:nvPr/>
         </p:nvPicPr>
         <p:blipFill>
-          <a:blip r:embed="rId10">
+          <a:blip r:embed="rId9">
             <a:extLst>
               <a:ext uri="{28A0092B-C50C-407E-A947-70E740481C1C}">
                 <a14:useLocalDpi xmlns:a14="http://schemas.microsoft.com/office/drawing/2010/main" val="0"/>
@@ -12708,7 +12794,7 @@
           <p:nvPr/>
         </p:nvPicPr>
         <p:blipFill>
-          <a:blip r:embed="rId11">
+          <a:blip r:embed="rId10">
             <a:extLst>
               <a:ext uri="{28A0092B-C50C-407E-A947-70E740481C1C}">
                 <a14:useLocalDpi xmlns:a14="http://schemas.microsoft.com/office/drawing/2010/main" val="0"/>
@@ -12817,7 +12903,7 @@
             <p:nvPr/>
           </p:nvPicPr>
           <p:blipFill>
-            <a:blip r:embed="rId8"/>
+            <a:blip r:embed="rId7"/>
             <a:stretch>
               <a:fillRect/>
             </a:stretch>
